--- a/doc-files/Presentation.pptx
+++ b/doc-files/Presentation.pptx
@@ -117,6 +117,11 @@
       </a:defRPr>
     </a:lvl9pPr>
   </p:defaultTextStyle>
+  <p:extLst>
+    <p:ext uri="{EFAFB233-063F-42B5-8137-9DF3F51BA10A}">
+      <p15:sldGuideLst xmlns:p15="http://schemas.microsoft.com/office/powerpoint/2012/main"/>
+    </p:ext>
+  </p:extLst>
 </p:presentation>
 </file>
 
@@ -4260,16 +4265,19 @@
                 <a:latin typeface="Times New Roman" panose="02020603050405020304" pitchFamily="18" charset="0"/>
                 <a:ea typeface="Times New Roman" panose="02020603050405020304" pitchFamily="18" charset="0"/>
               </a:rPr>
-              <a:t>Задачами курсовой работы являются: проанализировать предметную область, провести анализ аналогов и прототипов, разработать первичную документацию, спроектировать и разработать АИС.</a:t>
-            </a:r>
-            <a:endParaRPr lang="ru-RU" sz="1800" dirty="0">
-              <a:effectLst/>
-              <a:latin typeface="Times New Roman" panose="02020603050405020304" pitchFamily="18" charset="0"/>
-              <a:ea typeface="Times New Roman" panose="02020603050405020304" pitchFamily="18" charset="0"/>
-            </a:endParaRPr>
-          </a:p>
-          <a:p>
-            <a:pPr indent="457200"/>
+              <a:t>Задачами курсовой работы являются: проанализировать предметную область, провести анализ аналогов и прототипов, разработать первичную документацию, </a:t>
+            </a:r>
+            <a:r>
+              <a:rPr lang="ru-RU" sz="1800" i="1" dirty="0">
+                <a:solidFill>
+                  <a:srgbClr val="000000"/>
+                </a:solidFill>
+                <a:effectLst/>
+                <a:latin typeface="Times New Roman" panose="02020603050405020304" pitchFamily="18" charset="0"/>
+                <a:ea typeface="Times New Roman" panose="02020603050405020304" pitchFamily="18" charset="0"/>
+              </a:rPr>
+              <a:t>спроектировать и разработать АИС</a:t>
+            </a:r>
             <a:r>
               <a:rPr lang="ru-RU" sz="1800" dirty="0">
                 <a:solidFill>
@@ -4279,7 +4287,48 @@
                 <a:latin typeface="Times New Roman" panose="02020603050405020304" pitchFamily="18" charset="0"/>
                 <a:ea typeface="Times New Roman" panose="02020603050405020304" pitchFamily="18" charset="0"/>
               </a:rPr>
-              <a:t>Объектом исследования данной работы является – медицинская лаборатория. Предмет исследования – автоматизация процессов формирования заказов и отчетов об услугах лаборатории.</a:t>
+              <a:t>.</a:t>
+            </a:r>
+            <a:endParaRPr lang="ru-RU" sz="1800" dirty="0">
+              <a:effectLst/>
+              <a:latin typeface="Times New Roman" panose="02020603050405020304" pitchFamily="18" charset="0"/>
+              <a:ea typeface="Times New Roman" panose="02020603050405020304" pitchFamily="18" charset="0"/>
+            </a:endParaRPr>
+          </a:p>
+          <a:p>
+            <a:pPr indent="457200"/>
+            <a:r>
+              <a:rPr lang="ru-RU" sz="1800" dirty="0">
+                <a:solidFill>
+                  <a:srgbClr val="000000"/>
+                </a:solidFill>
+                <a:effectLst/>
+                <a:latin typeface="Times New Roman" panose="02020603050405020304" pitchFamily="18" charset="0"/>
+                <a:ea typeface="Times New Roman" panose="02020603050405020304" pitchFamily="18" charset="0"/>
+              </a:rPr>
+              <a:t>Объектом исследования данной работы является – </a:t>
+            </a:r>
+            <a:r>
+              <a:rPr lang="ru-RU" sz="1800" i="1" dirty="0">
+                <a:solidFill>
+                  <a:srgbClr val="000000"/>
+                </a:solidFill>
+                <a:effectLst/>
+                <a:latin typeface="Times New Roman" panose="02020603050405020304" pitchFamily="18" charset="0"/>
+                <a:ea typeface="Times New Roman" panose="02020603050405020304" pitchFamily="18" charset="0"/>
+              </a:rPr>
+              <a:t>медицинская лаборатория</a:t>
+            </a:r>
+            <a:r>
+              <a:rPr lang="ru-RU" sz="1800" dirty="0">
+                <a:solidFill>
+                  <a:srgbClr val="000000"/>
+                </a:solidFill>
+                <a:effectLst/>
+                <a:latin typeface="Times New Roman" panose="02020603050405020304" pitchFamily="18" charset="0"/>
+                <a:ea typeface="Times New Roman" panose="02020603050405020304" pitchFamily="18" charset="0"/>
+              </a:rPr>
+              <a:t>. Предмет исследования – автоматизация процессов формирования заказов и отчетов об услугах лаборатории.</a:t>
             </a:r>
             <a:endParaRPr lang="ru-RU" sz="1800" dirty="0">
               <a:effectLst/>
@@ -4622,6 +4671,42 @@
           </a:prstGeom>
         </p:spPr>
       </p:pic>
+      <p:sp>
+        <p:nvSpPr>
+          <p:cNvPr id="2" name="TextBox 1">
+            <a:extLst>
+              <a:ext uri="{FF2B5EF4-FFF2-40B4-BE49-F238E27FC236}">
+                <a16:creationId xmlns:a16="http://schemas.microsoft.com/office/drawing/2014/main" id="{4F5C9590-1878-4A53-B473-7B117ACE6735}"/>
+              </a:ext>
+            </a:extLst>
+          </p:cNvPr>
+          <p:cNvSpPr txBox="1"/>
+          <p:nvPr/>
+        </p:nvSpPr>
+        <p:spPr>
+          <a:xfrm>
+            <a:off x="182880" y="1314693"/>
+            <a:ext cx="6740435" cy="307777"/>
+          </a:xfrm>
+          <a:prstGeom prst="rect">
+            <a:avLst/>
+          </a:prstGeom>
+          <a:noFill/>
+        </p:spPr>
+        <p:txBody>
+          <a:bodyPr wrap="square" rtlCol="0">
+            <a:spAutoFit/>
+          </a:bodyPr>
+          <a:lstStyle/>
+          <a:p>
+            <a:r>
+              <a:rPr lang="en-US" sz="1400" dirty="0"/>
+              <a:t>https://github.com/ProgrammingClubYPEC/laboratory/interfaces.git</a:t>
+            </a:r>
+            <a:endParaRPr lang="ru-RU" sz="1400" dirty="0"/>
+          </a:p>
+        </p:txBody>
+      </p:sp>
     </p:spTree>
     <p:extLst>
       <p:ext uri="{BB962C8B-B14F-4D97-AF65-F5344CB8AC3E}">
